--- a/src/図.pptx
+++ b/src/図.pptx
@@ -694,7 +694,7 @@
           </a:lstStyle>
           <a:p>
             <a:r>
-              <a:rPr lang="ja-JP" altLang="en-US" smtClean="0"/>
+              <a:rPr lang="ja-JP" altLang="en-US"/>
               <a:t>マスター タイトルの書式設定</a:t>
             </a:r>
             <a:endParaRPr lang="en-US" dirty="0"/>
@@ -814,7 +814,7 @@
           </a:lstStyle>
           <a:p>
             <a:r>
-              <a:rPr lang="ja-JP" altLang="en-US" smtClean="0"/>
+              <a:rPr lang="ja-JP" altLang="en-US"/>
               <a:t>マスター サブタイトルの書式設定</a:t>
             </a:r>
             <a:endParaRPr lang="en-US" dirty="0"/>
@@ -838,7 +838,7 @@
           <a:p>
             <a:fld id="{26B652C5-9945-4180-B8B4-B4417E094F36}" type="datetimeFigureOut">
               <a:rPr kumimoji="1" lang="ja-JP" altLang="en-US" smtClean="0"/>
-              <a:t>2024/8/19</a:t>
+              <a:t>2024/8/20</a:t>
             </a:fld>
             <a:endParaRPr kumimoji="1" lang="ja-JP" altLang="en-US"/>
           </a:p>
@@ -943,7 +943,7 @@
           </a:lstStyle>
           <a:p>
             <a:r>
-              <a:rPr lang="ja-JP" altLang="en-US" smtClean="0"/>
+              <a:rPr lang="ja-JP" altLang="en-US"/>
               <a:t>マスター タイトルの書式設定</a:t>
             </a:r>
             <a:endParaRPr lang="en-US" dirty="0"/>
@@ -1066,7 +1066,7 @@
           <a:p>
             <a:pPr lvl="0"/>
             <a:r>
-              <a:rPr lang="ja-JP" altLang="en-US" smtClean="0"/>
+              <a:rPr lang="ja-JP" altLang="en-US"/>
               <a:t>マスター テキストの書式設定</a:t>
             </a:r>
           </a:p>
@@ -1089,7 +1089,7 @@
           <a:p>
             <a:fld id="{26B652C5-9945-4180-B8B4-B4417E094F36}" type="datetimeFigureOut">
               <a:rPr kumimoji="1" lang="ja-JP" altLang="en-US" smtClean="0"/>
-              <a:t>2024/8/19</a:t>
+              <a:t>2024/8/20</a:t>
             </a:fld>
             <a:endParaRPr kumimoji="1" lang="ja-JP" altLang="en-US"/>
           </a:p>
@@ -1194,7 +1194,7 @@
           </a:lstStyle>
           <a:p>
             <a:r>
-              <a:rPr lang="ja-JP" altLang="en-US" smtClean="0"/>
+              <a:rPr lang="ja-JP" altLang="en-US"/>
               <a:t>マスター タイトルの書式設定</a:t>
             </a:r>
             <a:endParaRPr lang="en-US" dirty="0"/>
@@ -1258,7 +1258,7 @@
           <a:p>
             <a:pPr lvl="0"/>
             <a:r>
-              <a:rPr lang="ja-JP" altLang="en-US" smtClean="0"/>
+              <a:rPr lang="ja-JP" altLang="en-US"/>
               <a:t>マスター テキストの書式設定</a:t>
             </a:r>
           </a:p>
@@ -1380,7 +1380,7 @@
           <a:p>
             <a:pPr lvl="0"/>
             <a:r>
-              <a:rPr lang="ja-JP" altLang="en-US" smtClean="0"/>
+              <a:rPr lang="ja-JP" altLang="en-US"/>
               <a:t>マスター テキストの書式設定</a:t>
             </a:r>
           </a:p>
@@ -1403,7 +1403,7 @@
           <a:p>
             <a:fld id="{26B652C5-9945-4180-B8B4-B4417E094F36}" type="datetimeFigureOut">
               <a:rPr kumimoji="1" lang="ja-JP" altLang="en-US" smtClean="0"/>
-              <a:t>2024/8/19</a:t>
+              <a:t>2024/8/20</a:t>
             </a:fld>
             <a:endParaRPr kumimoji="1" lang="ja-JP" altLang="en-US"/>
           </a:p>
@@ -1598,7 +1598,7 @@
           </a:lstStyle>
           <a:p>
             <a:r>
-              <a:rPr lang="ja-JP" altLang="en-US" smtClean="0"/>
+              <a:rPr lang="ja-JP" altLang="en-US"/>
               <a:t>マスター タイトルの書式設定</a:t>
             </a:r>
             <a:endParaRPr lang="en-US" dirty="0"/>
@@ -1721,7 +1721,7 @@
           <a:p>
             <a:pPr lvl="0"/>
             <a:r>
-              <a:rPr lang="ja-JP" altLang="en-US" smtClean="0"/>
+              <a:rPr lang="ja-JP" altLang="en-US"/>
               <a:t>マスター テキストの書式設定</a:t>
             </a:r>
           </a:p>
@@ -1744,7 +1744,7 @@
           <a:p>
             <a:fld id="{26B652C5-9945-4180-B8B4-B4417E094F36}" type="datetimeFigureOut">
               <a:rPr kumimoji="1" lang="ja-JP" altLang="en-US" smtClean="0"/>
-              <a:t>2024/8/19</a:t>
+              <a:t>2024/8/20</a:t>
             </a:fld>
             <a:endParaRPr kumimoji="1" lang="ja-JP" altLang="en-US"/>
           </a:p>
@@ -1849,7 +1849,7 @@
           </a:lstStyle>
           <a:p>
             <a:r>
-              <a:rPr lang="ja-JP" altLang="en-US" smtClean="0"/>
+              <a:rPr lang="ja-JP" altLang="en-US"/>
               <a:t>マスター タイトルの書式設定</a:t>
             </a:r>
             <a:endParaRPr lang="en-US" dirty="0"/>
@@ -1913,7 +1913,7 @@
           <a:p>
             <a:pPr lvl="0"/>
             <a:r>
-              <a:rPr lang="ja-JP" altLang="en-US" smtClean="0"/>
+              <a:rPr lang="ja-JP" altLang="en-US"/>
               <a:t>マスター テキストの書式設定</a:t>
             </a:r>
           </a:p>
@@ -2035,7 +2035,7 @@
           <a:p>
             <a:pPr lvl="0"/>
             <a:r>
-              <a:rPr lang="ja-JP" altLang="en-US" smtClean="0"/>
+              <a:rPr lang="ja-JP" altLang="en-US"/>
               <a:t>マスター テキストの書式設定</a:t>
             </a:r>
           </a:p>
@@ -2058,7 +2058,7 @@
           <a:p>
             <a:fld id="{26B652C5-9945-4180-B8B4-B4417E094F36}" type="datetimeFigureOut">
               <a:rPr kumimoji="1" lang="ja-JP" altLang="en-US" smtClean="0"/>
-              <a:t>2024/8/19</a:t>
+              <a:t>2024/8/20</a:t>
             </a:fld>
             <a:endParaRPr kumimoji="1" lang="ja-JP" altLang="en-US"/>
           </a:p>
@@ -2245,7 +2245,7 @@
           </a:lstStyle>
           <a:p>
             <a:r>
-              <a:rPr lang="ja-JP" altLang="en-US" smtClean="0"/>
+              <a:rPr lang="ja-JP" altLang="en-US"/>
               <a:t>マスター タイトルの書式設定</a:t>
             </a:r>
             <a:endParaRPr lang="en-US" dirty="0"/>
@@ -2306,7 +2306,7 @@
           <a:p>
             <a:pPr lvl="0"/>
             <a:r>
-              <a:rPr lang="ja-JP" altLang="en-US" smtClean="0"/>
+              <a:rPr lang="ja-JP" altLang="en-US"/>
               <a:t>マスター テキストの書式設定</a:t>
             </a:r>
           </a:p>
@@ -2428,7 +2428,7 @@
           <a:p>
             <a:pPr lvl="0"/>
             <a:r>
-              <a:rPr lang="ja-JP" altLang="en-US" smtClean="0"/>
+              <a:rPr lang="ja-JP" altLang="en-US"/>
               <a:t>マスター テキストの書式設定</a:t>
             </a:r>
           </a:p>
@@ -2451,7 +2451,7 @@
           <a:p>
             <a:fld id="{26B652C5-9945-4180-B8B4-B4417E094F36}" type="datetimeFigureOut">
               <a:rPr kumimoji="1" lang="ja-JP" altLang="en-US" smtClean="0"/>
-              <a:t>2024/8/19</a:t>
+              <a:t>2024/8/20</a:t>
             </a:fld>
             <a:endParaRPr kumimoji="1" lang="ja-JP" altLang="en-US"/>
           </a:p>
@@ -2545,7 +2545,7 @@
           <a:lstStyle/>
           <a:p>
             <a:r>
-              <a:rPr lang="ja-JP" altLang="en-US" smtClean="0"/>
+              <a:rPr lang="ja-JP" altLang="en-US"/>
               <a:t>マスター タイトルの書式設定</a:t>
             </a:r>
             <a:endParaRPr lang="en-US" dirty="0"/>
@@ -2569,67 +2569,67 @@
           <a:p>
             <a:pPr lvl="0"/>
             <a:r>
-              <a:rPr lang="ja-JP" altLang="en-US" smtClean="0"/>
+              <a:rPr lang="ja-JP" altLang="en-US"/>
               <a:t>マスター テキストの書式設定</a:t>
             </a:r>
           </a:p>
           <a:p>
             <a:pPr lvl="1"/>
             <a:r>
-              <a:rPr lang="ja-JP" altLang="en-US" smtClean="0"/>
+              <a:rPr lang="ja-JP" altLang="en-US"/>
               <a:t>第 </a:t>
             </a:r>
             <a:r>
-              <a:rPr lang="en-US" altLang="ja-JP" smtClean="0"/>
+              <a:rPr lang="en-US" altLang="ja-JP"/>
               <a:t>2 </a:t>
             </a:r>
             <a:r>
-              <a:rPr lang="ja-JP" altLang="en-US" smtClean="0"/>
+              <a:rPr lang="ja-JP" altLang="en-US"/>
               <a:t>レベル</a:t>
             </a:r>
           </a:p>
           <a:p>
             <a:pPr lvl="2"/>
             <a:r>
-              <a:rPr lang="ja-JP" altLang="en-US" smtClean="0"/>
+              <a:rPr lang="ja-JP" altLang="en-US"/>
               <a:t>第 </a:t>
             </a:r>
             <a:r>
-              <a:rPr lang="en-US" altLang="ja-JP" smtClean="0"/>
+              <a:rPr lang="en-US" altLang="ja-JP"/>
               <a:t>3 </a:t>
             </a:r>
             <a:r>
-              <a:rPr lang="ja-JP" altLang="en-US" smtClean="0"/>
+              <a:rPr lang="ja-JP" altLang="en-US"/>
               <a:t>レベル</a:t>
             </a:r>
           </a:p>
           <a:p>
             <a:pPr lvl="3"/>
             <a:r>
-              <a:rPr lang="ja-JP" altLang="en-US" smtClean="0"/>
+              <a:rPr lang="ja-JP" altLang="en-US"/>
               <a:t>第 </a:t>
             </a:r>
             <a:r>
-              <a:rPr lang="en-US" altLang="ja-JP" smtClean="0"/>
+              <a:rPr lang="en-US" altLang="ja-JP"/>
               <a:t>4 </a:t>
             </a:r>
             <a:r>
-              <a:rPr lang="ja-JP" altLang="en-US" smtClean="0"/>
+              <a:rPr lang="ja-JP" altLang="en-US"/>
               <a:t>レベル</a:t>
             </a:r>
           </a:p>
           <a:p>
             <a:pPr lvl="4"/>
             <a:r>
-              <a:rPr lang="ja-JP" altLang="en-US" smtClean="0"/>
+              <a:rPr lang="ja-JP" altLang="en-US"/>
               <a:t>第 </a:t>
             </a:r>
             <a:r>
-              <a:rPr lang="en-US" altLang="ja-JP" smtClean="0"/>
+              <a:rPr lang="en-US" altLang="ja-JP"/>
               <a:t>5 </a:t>
             </a:r>
             <a:r>
-              <a:rPr lang="ja-JP" altLang="en-US" smtClean="0"/>
+              <a:rPr lang="ja-JP" altLang="en-US"/>
               <a:t>レベル</a:t>
             </a:r>
             <a:endParaRPr lang="en-US" dirty="0"/>
@@ -2653,7 +2653,7 @@
           <a:p>
             <a:fld id="{26B652C5-9945-4180-B8B4-B4417E094F36}" type="datetimeFigureOut">
               <a:rPr kumimoji="1" lang="ja-JP" altLang="en-US" smtClean="0"/>
-              <a:t>2024/8/19</a:t>
+              <a:t>2024/8/20</a:t>
             </a:fld>
             <a:endParaRPr kumimoji="1" lang="ja-JP" altLang="en-US"/>
           </a:p>
@@ -2752,7 +2752,7 @@
           <a:lstStyle/>
           <a:p>
             <a:r>
-              <a:rPr lang="ja-JP" altLang="en-US" smtClean="0"/>
+              <a:rPr lang="ja-JP" altLang="en-US"/>
               <a:t>マスター タイトルの書式設定</a:t>
             </a:r>
             <a:endParaRPr lang="en-US" dirty="0"/>
@@ -2781,67 +2781,67 @@
           <a:p>
             <a:pPr lvl="0"/>
             <a:r>
-              <a:rPr lang="ja-JP" altLang="en-US" smtClean="0"/>
+              <a:rPr lang="ja-JP" altLang="en-US"/>
               <a:t>マスター テキストの書式設定</a:t>
             </a:r>
           </a:p>
           <a:p>
             <a:pPr lvl="1"/>
             <a:r>
-              <a:rPr lang="ja-JP" altLang="en-US" smtClean="0"/>
+              <a:rPr lang="ja-JP" altLang="en-US"/>
               <a:t>第 </a:t>
             </a:r>
             <a:r>
-              <a:rPr lang="en-US" altLang="ja-JP" smtClean="0"/>
+              <a:rPr lang="en-US" altLang="ja-JP"/>
               <a:t>2 </a:t>
             </a:r>
             <a:r>
-              <a:rPr lang="ja-JP" altLang="en-US" smtClean="0"/>
+              <a:rPr lang="ja-JP" altLang="en-US"/>
               <a:t>レベル</a:t>
             </a:r>
           </a:p>
           <a:p>
             <a:pPr lvl="2"/>
             <a:r>
-              <a:rPr lang="ja-JP" altLang="en-US" smtClean="0"/>
+              <a:rPr lang="ja-JP" altLang="en-US"/>
               <a:t>第 </a:t>
             </a:r>
             <a:r>
-              <a:rPr lang="en-US" altLang="ja-JP" smtClean="0"/>
+              <a:rPr lang="en-US" altLang="ja-JP"/>
               <a:t>3 </a:t>
             </a:r>
             <a:r>
-              <a:rPr lang="ja-JP" altLang="en-US" smtClean="0"/>
+              <a:rPr lang="ja-JP" altLang="en-US"/>
               <a:t>レベル</a:t>
             </a:r>
           </a:p>
           <a:p>
             <a:pPr lvl="3"/>
             <a:r>
-              <a:rPr lang="ja-JP" altLang="en-US" smtClean="0"/>
+              <a:rPr lang="ja-JP" altLang="en-US"/>
               <a:t>第 </a:t>
             </a:r>
             <a:r>
-              <a:rPr lang="en-US" altLang="ja-JP" smtClean="0"/>
+              <a:rPr lang="en-US" altLang="ja-JP"/>
               <a:t>4 </a:t>
             </a:r>
             <a:r>
-              <a:rPr lang="ja-JP" altLang="en-US" smtClean="0"/>
+              <a:rPr lang="ja-JP" altLang="en-US"/>
               <a:t>レベル</a:t>
             </a:r>
           </a:p>
           <a:p>
             <a:pPr lvl="4"/>
             <a:r>
-              <a:rPr lang="ja-JP" altLang="en-US" smtClean="0"/>
+              <a:rPr lang="ja-JP" altLang="en-US"/>
               <a:t>第 </a:t>
             </a:r>
             <a:r>
-              <a:rPr lang="en-US" altLang="ja-JP" smtClean="0"/>
+              <a:rPr lang="en-US" altLang="ja-JP"/>
               <a:t>5 </a:t>
             </a:r>
             <a:r>
-              <a:rPr lang="ja-JP" altLang="en-US" smtClean="0"/>
+              <a:rPr lang="ja-JP" altLang="en-US"/>
               <a:t>レベル</a:t>
             </a:r>
             <a:endParaRPr lang="en-US" dirty="0"/>
@@ -2865,7 +2865,7 @@
           <a:p>
             <a:fld id="{26B652C5-9945-4180-B8B4-B4417E094F36}" type="datetimeFigureOut">
               <a:rPr kumimoji="1" lang="ja-JP" altLang="en-US" smtClean="0"/>
-              <a:t>2024/8/19</a:t>
+              <a:t>2024/8/20</a:t>
             </a:fld>
             <a:endParaRPr kumimoji="1" lang="ja-JP" altLang="en-US"/>
           </a:p>
@@ -2965,7 +2965,7 @@
           </a:lstStyle>
           <a:p>
             <a:r>
-              <a:rPr lang="ja-JP" altLang="en-US" smtClean="0"/>
+              <a:rPr lang="ja-JP" altLang="en-US"/>
               <a:t>マスター タイトルの書式設定</a:t>
             </a:r>
             <a:endParaRPr lang="en-US" dirty="0"/>
@@ -2989,67 +2989,67 @@
           <a:p>
             <a:pPr lvl="0"/>
             <a:r>
-              <a:rPr lang="ja-JP" altLang="en-US" smtClean="0"/>
+              <a:rPr lang="ja-JP" altLang="en-US"/>
               <a:t>マスター テキストの書式設定</a:t>
             </a:r>
           </a:p>
           <a:p>
             <a:pPr lvl="1"/>
             <a:r>
-              <a:rPr lang="ja-JP" altLang="en-US" smtClean="0"/>
+              <a:rPr lang="ja-JP" altLang="en-US"/>
               <a:t>第 </a:t>
             </a:r>
             <a:r>
-              <a:rPr lang="en-US" altLang="ja-JP" smtClean="0"/>
+              <a:rPr lang="en-US" altLang="ja-JP"/>
               <a:t>2 </a:t>
             </a:r>
             <a:r>
-              <a:rPr lang="ja-JP" altLang="en-US" smtClean="0"/>
+              <a:rPr lang="ja-JP" altLang="en-US"/>
               <a:t>レベル</a:t>
             </a:r>
           </a:p>
           <a:p>
             <a:pPr lvl="2"/>
             <a:r>
-              <a:rPr lang="ja-JP" altLang="en-US" smtClean="0"/>
+              <a:rPr lang="ja-JP" altLang="en-US"/>
               <a:t>第 </a:t>
             </a:r>
             <a:r>
-              <a:rPr lang="en-US" altLang="ja-JP" smtClean="0"/>
+              <a:rPr lang="en-US" altLang="ja-JP"/>
               <a:t>3 </a:t>
             </a:r>
             <a:r>
-              <a:rPr lang="ja-JP" altLang="en-US" smtClean="0"/>
+              <a:rPr lang="ja-JP" altLang="en-US"/>
               <a:t>レベル</a:t>
             </a:r>
           </a:p>
           <a:p>
             <a:pPr lvl="3"/>
             <a:r>
-              <a:rPr lang="ja-JP" altLang="en-US" smtClean="0"/>
+              <a:rPr lang="ja-JP" altLang="en-US"/>
               <a:t>第 </a:t>
             </a:r>
             <a:r>
-              <a:rPr lang="en-US" altLang="ja-JP" smtClean="0"/>
+              <a:rPr lang="en-US" altLang="ja-JP"/>
               <a:t>4 </a:t>
             </a:r>
             <a:r>
-              <a:rPr lang="ja-JP" altLang="en-US" smtClean="0"/>
+              <a:rPr lang="ja-JP" altLang="en-US"/>
               <a:t>レベル</a:t>
             </a:r>
           </a:p>
           <a:p>
             <a:pPr lvl="4"/>
             <a:r>
-              <a:rPr lang="ja-JP" altLang="en-US" smtClean="0"/>
+              <a:rPr lang="ja-JP" altLang="en-US"/>
               <a:t>第 </a:t>
             </a:r>
             <a:r>
-              <a:rPr lang="en-US" altLang="ja-JP" smtClean="0"/>
+              <a:rPr lang="en-US" altLang="ja-JP"/>
               <a:t>5 </a:t>
             </a:r>
             <a:r>
-              <a:rPr lang="ja-JP" altLang="en-US" smtClean="0"/>
+              <a:rPr lang="ja-JP" altLang="en-US"/>
               <a:t>レベル</a:t>
             </a:r>
             <a:endParaRPr lang="en-US" dirty="0"/>
@@ -3073,7 +3073,7 @@
           <a:p>
             <a:fld id="{26B652C5-9945-4180-B8B4-B4417E094F36}" type="datetimeFigureOut">
               <a:rPr kumimoji="1" lang="ja-JP" altLang="en-US" smtClean="0"/>
-              <a:t>2024/8/19</a:t>
+              <a:t>2024/8/20</a:t>
             </a:fld>
             <a:endParaRPr kumimoji="1" lang="ja-JP" altLang="en-US"/>
           </a:p>
@@ -3176,7 +3176,7 @@
           </a:lstStyle>
           <a:p>
             <a:r>
-              <a:rPr lang="ja-JP" altLang="en-US" smtClean="0"/>
+              <a:rPr lang="ja-JP" altLang="en-US"/>
               <a:t>マスター タイトルの書式設定</a:t>
             </a:r>
             <a:endParaRPr lang="en-US" dirty="0"/>
@@ -3297,7 +3297,7 @@
           <a:p>
             <a:pPr lvl="0"/>
             <a:r>
-              <a:rPr lang="ja-JP" altLang="en-US" smtClean="0"/>
+              <a:rPr lang="ja-JP" altLang="en-US"/>
               <a:t>マスター テキストの書式設定</a:t>
             </a:r>
           </a:p>
@@ -3320,7 +3320,7 @@
           <a:p>
             <a:fld id="{26B652C5-9945-4180-B8B4-B4417E094F36}" type="datetimeFigureOut">
               <a:rPr kumimoji="1" lang="ja-JP" altLang="en-US" smtClean="0"/>
-              <a:t>2024/8/19</a:t>
+              <a:t>2024/8/20</a:t>
             </a:fld>
             <a:endParaRPr kumimoji="1" lang="ja-JP" altLang="en-US"/>
           </a:p>
@@ -3414,7 +3414,7 @@
           <a:lstStyle/>
           <a:p>
             <a:r>
-              <a:rPr lang="ja-JP" altLang="en-US" smtClean="0"/>
+              <a:rPr lang="ja-JP" altLang="en-US"/>
               <a:t>マスター タイトルの書式設定</a:t>
             </a:r>
             <a:endParaRPr lang="en-US" dirty="0"/>
@@ -3443,67 +3443,67 @@
           <a:p>
             <a:pPr lvl="0"/>
             <a:r>
-              <a:rPr lang="ja-JP" altLang="en-US" smtClean="0"/>
+              <a:rPr lang="ja-JP" altLang="en-US"/>
               <a:t>マスター テキストの書式設定</a:t>
             </a:r>
           </a:p>
           <a:p>
             <a:pPr lvl="1"/>
             <a:r>
-              <a:rPr lang="ja-JP" altLang="en-US" smtClean="0"/>
+              <a:rPr lang="ja-JP" altLang="en-US"/>
               <a:t>第 </a:t>
             </a:r>
             <a:r>
-              <a:rPr lang="en-US" altLang="ja-JP" smtClean="0"/>
+              <a:rPr lang="en-US" altLang="ja-JP"/>
               <a:t>2 </a:t>
             </a:r>
             <a:r>
-              <a:rPr lang="ja-JP" altLang="en-US" smtClean="0"/>
+              <a:rPr lang="ja-JP" altLang="en-US"/>
               <a:t>レベル</a:t>
             </a:r>
           </a:p>
           <a:p>
             <a:pPr lvl="2"/>
             <a:r>
-              <a:rPr lang="ja-JP" altLang="en-US" smtClean="0"/>
+              <a:rPr lang="ja-JP" altLang="en-US"/>
               <a:t>第 </a:t>
             </a:r>
             <a:r>
-              <a:rPr lang="en-US" altLang="ja-JP" smtClean="0"/>
+              <a:rPr lang="en-US" altLang="ja-JP"/>
               <a:t>3 </a:t>
             </a:r>
             <a:r>
-              <a:rPr lang="ja-JP" altLang="en-US" smtClean="0"/>
+              <a:rPr lang="ja-JP" altLang="en-US"/>
               <a:t>レベル</a:t>
             </a:r>
           </a:p>
           <a:p>
             <a:pPr lvl="3"/>
             <a:r>
-              <a:rPr lang="ja-JP" altLang="en-US" smtClean="0"/>
+              <a:rPr lang="ja-JP" altLang="en-US"/>
               <a:t>第 </a:t>
             </a:r>
             <a:r>
-              <a:rPr lang="en-US" altLang="ja-JP" smtClean="0"/>
+              <a:rPr lang="en-US" altLang="ja-JP"/>
               <a:t>4 </a:t>
             </a:r>
             <a:r>
-              <a:rPr lang="ja-JP" altLang="en-US" smtClean="0"/>
+              <a:rPr lang="ja-JP" altLang="en-US"/>
               <a:t>レベル</a:t>
             </a:r>
           </a:p>
           <a:p>
             <a:pPr lvl="4"/>
             <a:r>
-              <a:rPr lang="ja-JP" altLang="en-US" smtClean="0"/>
+              <a:rPr lang="ja-JP" altLang="en-US"/>
               <a:t>第 </a:t>
             </a:r>
             <a:r>
-              <a:rPr lang="en-US" altLang="ja-JP" smtClean="0"/>
+              <a:rPr lang="en-US" altLang="ja-JP"/>
               <a:t>5 </a:t>
             </a:r>
             <a:r>
-              <a:rPr lang="ja-JP" altLang="en-US" smtClean="0"/>
+              <a:rPr lang="ja-JP" altLang="en-US"/>
               <a:t>レベル</a:t>
             </a:r>
             <a:endParaRPr lang="en-US" dirty="0"/>
@@ -3532,67 +3532,67 @@
           <a:p>
             <a:pPr lvl="0"/>
             <a:r>
-              <a:rPr lang="ja-JP" altLang="en-US" smtClean="0"/>
+              <a:rPr lang="ja-JP" altLang="en-US"/>
               <a:t>マスター テキストの書式設定</a:t>
             </a:r>
           </a:p>
           <a:p>
             <a:pPr lvl="1"/>
             <a:r>
-              <a:rPr lang="ja-JP" altLang="en-US" smtClean="0"/>
+              <a:rPr lang="ja-JP" altLang="en-US"/>
               <a:t>第 </a:t>
             </a:r>
             <a:r>
-              <a:rPr lang="en-US" altLang="ja-JP" smtClean="0"/>
+              <a:rPr lang="en-US" altLang="ja-JP"/>
               <a:t>2 </a:t>
             </a:r>
             <a:r>
-              <a:rPr lang="ja-JP" altLang="en-US" smtClean="0"/>
+              <a:rPr lang="ja-JP" altLang="en-US"/>
               <a:t>レベル</a:t>
             </a:r>
           </a:p>
           <a:p>
             <a:pPr lvl="2"/>
             <a:r>
-              <a:rPr lang="ja-JP" altLang="en-US" smtClean="0"/>
+              <a:rPr lang="ja-JP" altLang="en-US"/>
               <a:t>第 </a:t>
             </a:r>
             <a:r>
-              <a:rPr lang="en-US" altLang="ja-JP" smtClean="0"/>
+              <a:rPr lang="en-US" altLang="ja-JP"/>
               <a:t>3 </a:t>
             </a:r>
             <a:r>
-              <a:rPr lang="ja-JP" altLang="en-US" smtClean="0"/>
+              <a:rPr lang="ja-JP" altLang="en-US"/>
               <a:t>レベル</a:t>
             </a:r>
           </a:p>
           <a:p>
             <a:pPr lvl="3"/>
             <a:r>
-              <a:rPr lang="ja-JP" altLang="en-US" smtClean="0"/>
+              <a:rPr lang="ja-JP" altLang="en-US"/>
               <a:t>第 </a:t>
             </a:r>
             <a:r>
-              <a:rPr lang="en-US" altLang="ja-JP" smtClean="0"/>
+              <a:rPr lang="en-US" altLang="ja-JP"/>
               <a:t>4 </a:t>
             </a:r>
             <a:r>
-              <a:rPr lang="ja-JP" altLang="en-US" smtClean="0"/>
+              <a:rPr lang="ja-JP" altLang="en-US"/>
               <a:t>レベル</a:t>
             </a:r>
           </a:p>
           <a:p>
             <a:pPr lvl="4"/>
             <a:r>
-              <a:rPr lang="ja-JP" altLang="en-US" smtClean="0"/>
+              <a:rPr lang="ja-JP" altLang="en-US"/>
               <a:t>第 </a:t>
             </a:r>
             <a:r>
-              <a:rPr lang="en-US" altLang="ja-JP" smtClean="0"/>
+              <a:rPr lang="en-US" altLang="ja-JP"/>
               <a:t>5 </a:t>
             </a:r>
             <a:r>
-              <a:rPr lang="ja-JP" altLang="en-US" smtClean="0"/>
+              <a:rPr lang="ja-JP" altLang="en-US"/>
               <a:t>レベル</a:t>
             </a:r>
             <a:endParaRPr lang="en-US" dirty="0"/>
@@ -3616,7 +3616,7 @@
           <a:p>
             <a:fld id="{26B652C5-9945-4180-B8B4-B4417E094F36}" type="datetimeFigureOut">
               <a:rPr kumimoji="1" lang="ja-JP" altLang="en-US" smtClean="0"/>
-              <a:t>2024/8/19</a:t>
+              <a:t>2024/8/20</a:t>
             </a:fld>
             <a:endParaRPr kumimoji="1" lang="ja-JP" altLang="en-US"/>
           </a:p>
@@ -3714,7 +3714,7 @@
           </a:lstStyle>
           <a:p>
             <a:r>
-              <a:rPr lang="ja-JP" altLang="en-US" smtClean="0"/>
+              <a:rPr lang="ja-JP" altLang="en-US"/>
               <a:t>マスター タイトルの書式設定</a:t>
             </a:r>
             <a:endParaRPr lang="en-US" dirty="0"/>
@@ -3782,7 +3782,7 @@
           <a:p>
             <a:pPr lvl="0"/>
             <a:r>
-              <a:rPr lang="ja-JP" altLang="en-US" smtClean="0"/>
+              <a:rPr lang="ja-JP" altLang="en-US"/>
               <a:t>マスター テキストの書式設定</a:t>
             </a:r>
           </a:p>
@@ -3812,67 +3812,67 @@
           <a:p>
             <a:pPr lvl="0"/>
             <a:r>
-              <a:rPr lang="ja-JP" altLang="en-US" smtClean="0"/>
+              <a:rPr lang="ja-JP" altLang="en-US"/>
               <a:t>マスター テキストの書式設定</a:t>
             </a:r>
           </a:p>
           <a:p>
             <a:pPr lvl="1"/>
             <a:r>
-              <a:rPr lang="ja-JP" altLang="en-US" smtClean="0"/>
+              <a:rPr lang="ja-JP" altLang="en-US"/>
               <a:t>第 </a:t>
             </a:r>
             <a:r>
-              <a:rPr lang="en-US" altLang="ja-JP" smtClean="0"/>
+              <a:rPr lang="en-US" altLang="ja-JP"/>
               <a:t>2 </a:t>
             </a:r>
             <a:r>
-              <a:rPr lang="ja-JP" altLang="en-US" smtClean="0"/>
+              <a:rPr lang="ja-JP" altLang="en-US"/>
               <a:t>レベル</a:t>
             </a:r>
           </a:p>
           <a:p>
             <a:pPr lvl="2"/>
             <a:r>
-              <a:rPr lang="ja-JP" altLang="en-US" smtClean="0"/>
+              <a:rPr lang="ja-JP" altLang="en-US"/>
               <a:t>第 </a:t>
             </a:r>
             <a:r>
-              <a:rPr lang="en-US" altLang="ja-JP" smtClean="0"/>
+              <a:rPr lang="en-US" altLang="ja-JP"/>
               <a:t>3 </a:t>
             </a:r>
             <a:r>
-              <a:rPr lang="ja-JP" altLang="en-US" smtClean="0"/>
+              <a:rPr lang="ja-JP" altLang="en-US"/>
               <a:t>レベル</a:t>
             </a:r>
           </a:p>
           <a:p>
             <a:pPr lvl="3"/>
             <a:r>
-              <a:rPr lang="ja-JP" altLang="en-US" smtClean="0"/>
+              <a:rPr lang="ja-JP" altLang="en-US"/>
               <a:t>第 </a:t>
             </a:r>
             <a:r>
-              <a:rPr lang="en-US" altLang="ja-JP" smtClean="0"/>
+              <a:rPr lang="en-US" altLang="ja-JP"/>
               <a:t>4 </a:t>
             </a:r>
             <a:r>
-              <a:rPr lang="ja-JP" altLang="en-US" smtClean="0"/>
+              <a:rPr lang="ja-JP" altLang="en-US"/>
               <a:t>レベル</a:t>
             </a:r>
           </a:p>
           <a:p>
             <a:pPr lvl="4"/>
             <a:r>
-              <a:rPr lang="ja-JP" altLang="en-US" smtClean="0"/>
+              <a:rPr lang="ja-JP" altLang="en-US"/>
               <a:t>第 </a:t>
             </a:r>
             <a:r>
-              <a:rPr lang="en-US" altLang="ja-JP" smtClean="0"/>
+              <a:rPr lang="en-US" altLang="ja-JP"/>
               <a:t>5 </a:t>
             </a:r>
             <a:r>
-              <a:rPr lang="ja-JP" altLang="en-US" smtClean="0"/>
+              <a:rPr lang="ja-JP" altLang="en-US"/>
               <a:t>レベル</a:t>
             </a:r>
             <a:endParaRPr lang="en-US" dirty="0"/>
@@ -3940,7 +3940,7 @@
           <a:p>
             <a:pPr lvl="0"/>
             <a:r>
-              <a:rPr lang="ja-JP" altLang="en-US" smtClean="0"/>
+              <a:rPr lang="ja-JP" altLang="en-US"/>
               <a:t>マスター テキストの書式設定</a:t>
             </a:r>
           </a:p>
@@ -3970,67 +3970,67 @@
           <a:p>
             <a:pPr lvl="0"/>
             <a:r>
-              <a:rPr lang="ja-JP" altLang="en-US" smtClean="0"/>
+              <a:rPr lang="ja-JP" altLang="en-US"/>
               <a:t>マスター テキストの書式設定</a:t>
             </a:r>
           </a:p>
           <a:p>
             <a:pPr lvl="1"/>
             <a:r>
-              <a:rPr lang="ja-JP" altLang="en-US" smtClean="0"/>
+              <a:rPr lang="ja-JP" altLang="en-US"/>
               <a:t>第 </a:t>
             </a:r>
             <a:r>
-              <a:rPr lang="en-US" altLang="ja-JP" smtClean="0"/>
+              <a:rPr lang="en-US" altLang="ja-JP"/>
               <a:t>2 </a:t>
             </a:r>
             <a:r>
-              <a:rPr lang="ja-JP" altLang="en-US" smtClean="0"/>
+              <a:rPr lang="ja-JP" altLang="en-US"/>
               <a:t>レベル</a:t>
             </a:r>
           </a:p>
           <a:p>
             <a:pPr lvl="2"/>
             <a:r>
-              <a:rPr lang="ja-JP" altLang="en-US" smtClean="0"/>
+              <a:rPr lang="ja-JP" altLang="en-US"/>
               <a:t>第 </a:t>
             </a:r>
             <a:r>
-              <a:rPr lang="en-US" altLang="ja-JP" smtClean="0"/>
+              <a:rPr lang="en-US" altLang="ja-JP"/>
               <a:t>3 </a:t>
             </a:r>
             <a:r>
-              <a:rPr lang="ja-JP" altLang="en-US" smtClean="0"/>
+              <a:rPr lang="ja-JP" altLang="en-US"/>
               <a:t>レベル</a:t>
             </a:r>
           </a:p>
           <a:p>
             <a:pPr lvl="3"/>
             <a:r>
-              <a:rPr lang="ja-JP" altLang="en-US" smtClean="0"/>
+              <a:rPr lang="ja-JP" altLang="en-US"/>
               <a:t>第 </a:t>
             </a:r>
             <a:r>
-              <a:rPr lang="en-US" altLang="ja-JP" smtClean="0"/>
+              <a:rPr lang="en-US" altLang="ja-JP"/>
               <a:t>4 </a:t>
             </a:r>
             <a:r>
-              <a:rPr lang="ja-JP" altLang="en-US" smtClean="0"/>
+              <a:rPr lang="ja-JP" altLang="en-US"/>
               <a:t>レベル</a:t>
             </a:r>
           </a:p>
           <a:p>
             <a:pPr lvl="4"/>
             <a:r>
-              <a:rPr lang="ja-JP" altLang="en-US" smtClean="0"/>
+              <a:rPr lang="ja-JP" altLang="en-US"/>
               <a:t>第 </a:t>
             </a:r>
             <a:r>
-              <a:rPr lang="en-US" altLang="ja-JP" smtClean="0"/>
+              <a:rPr lang="en-US" altLang="ja-JP"/>
               <a:t>5 </a:t>
             </a:r>
             <a:r>
-              <a:rPr lang="ja-JP" altLang="en-US" smtClean="0"/>
+              <a:rPr lang="ja-JP" altLang="en-US"/>
               <a:t>レベル</a:t>
             </a:r>
             <a:endParaRPr lang="en-US" dirty="0"/>
@@ -4054,7 +4054,7 @@
           <a:p>
             <a:fld id="{26B652C5-9945-4180-B8B4-B4417E094F36}" type="datetimeFigureOut">
               <a:rPr kumimoji="1" lang="ja-JP" altLang="en-US" smtClean="0"/>
-              <a:t>2024/8/19</a:t>
+              <a:t>2024/8/20</a:t>
             </a:fld>
             <a:endParaRPr kumimoji="1" lang="ja-JP" altLang="en-US"/>
           </a:p>
@@ -4153,7 +4153,7 @@
           <a:lstStyle/>
           <a:p>
             <a:r>
-              <a:rPr lang="ja-JP" altLang="en-US" smtClean="0"/>
+              <a:rPr lang="ja-JP" altLang="en-US"/>
               <a:t>マスター タイトルの書式設定</a:t>
             </a:r>
             <a:endParaRPr lang="en-US" dirty="0"/>
@@ -4177,7 +4177,7 @@
           <a:p>
             <a:fld id="{26B652C5-9945-4180-B8B4-B4417E094F36}" type="datetimeFigureOut">
               <a:rPr kumimoji="1" lang="ja-JP" altLang="en-US" smtClean="0"/>
-              <a:t>2024/8/19</a:t>
+              <a:t>2024/8/20</a:t>
             </a:fld>
             <a:endParaRPr kumimoji="1" lang="ja-JP" altLang="en-US"/>
           </a:p>
@@ -4272,7 +4272,7 @@
           <a:p>
             <a:fld id="{26B652C5-9945-4180-B8B4-B4417E094F36}" type="datetimeFigureOut">
               <a:rPr kumimoji="1" lang="ja-JP" altLang="en-US" smtClean="0"/>
-              <a:t>2024/8/19</a:t>
+              <a:t>2024/8/20</a:t>
             </a:fld>
             <a:endParaRPr kumimoji="1" lang="ja-JP" altLang="en-US"/>
           </a:p>
@@ -4377,7 +4377,7 @@
           </a:lstStyle>
           <a:p>
             <a:r>
-              <a:rPr lang="ja-JP" altLang="en-US" smtClean="0"/>
+              <a:rPr lang="ja-JP" altLang="en-US"/>
               <a:t>マスター タイトルの書式設定</a:t>
             </a:r>
             <a:endParaRPr lang="en-US" dirty="0"/>
@@ -4408,67 +4408,67 @@
           <a:p>
             <a:pPr lvl="0"/>
             <a:r>
-              <a:rPr lang="ja-JP" altLang="en-US" smtClean="0"/>
+              <a:rPr lang="ja-JP" altLang="en-US"/>
               <a:t>マスター テキストの書式設定</a:t>
             </a:r>
           </a:p>
           <a:p>
             <a:pPr lvl="1"/>
             <a:r>
-              <a:rPr lang="ja-JP" altLang="en-US" smtClean="0"/>
+              <a:rPr lang="ja-JP" altLang="en-US"/>
               <a:t>第 </a:t>
             </a:r>
             <a:r>
-              <a:rPr lang="en-US" altLang="ja-JP" smtClean="0"/>
+              <a:rPr lang="en-US" altLang="ja-JP"/>
               <a:t>2 </a:t>
             </a:r>
             <a:r>
-              <a:rPr lang="ja-JP" altLang="en-US" smtClean="0"/>
+              <a:rPr lang="ja-JP" altLang="en-US"/>
               <a:t>レベル</a:t>
             </a:r>
           </a:p>
           <a:p>
             <a:pPr lvl="2"/>
             <a:r>
-              <a:rPr lang="ja-JP" altLang="en-US" smtClean="0"/>
+              <a:rPr lang="ja-JP" altLang="en-US"/>
               <a:t>第 </a:t>
             </a:r>
             <a:r>
-              <a:rPr lang="en-US" altLang="ja-JP" smtClean="0"/>
+              <a:rPr lang="en-US" altLang="ja-JP"/>
               <a:t>3 </a:t>
             </a:r>
             <a:r>
-              <a:rPr lang="ja-JP" altLang="en-US" smtClean="0"/>
+              <a:rPr lang="ja-JP" altLang="en-US"/>
               <a:t>レベル</a:t>
             </a:r>
           </a:p>
           <a:p>
             <a:pPr lvl="3"/>
             <a:r>
-              <a:rPr lang="ja-JP" altLang="en-US" smtClean="0"/>
+              <a:rPr lang="ja-JP" altLang="en-US"/>
               <a:t>第 </a:t>
             </a:r>
             <a:r>
-              <a:rPr lang="en-US" altLang="ja-JP" smtClean="0"/>
+              <a:rPr lang="en-US" altLang="ja-JP"/>
               <a:t>4 </a:t>
             </a:r>
             <a:r>
-              <a:rPr lang="ja-JP" altLang="en-US" smtClean="0"/>
+              <a:rPr lang="ja-JP" altLang="en-US"/>
               <a:t>レベル</a:t>
             </a:r>
           </a:p>
           <a:p>
             <a:pPr lvl="4"/>
             <a:r>
-              <a:rPr lang="ja-JP" altLang="en-US" smtClean="0"/>
+              <a:rPr lang="ja-JP" altLang="en-US"/>
               <a:t>第 </a:t>
             </a:r>
             <a:r>
-              <a:rPr lang="en-US" altLang="ja-JP" smtClean="0"/>
+              <a:rPr lang="en-US" altLang="ja-JP"/>
               <a:t>5 </a:t>
             </a:r>
             <a:r>
-              <a:rPr lang="ja-JP" altLang="en-US" smtClean="0"/>
+              <a:rPr lang="ja-JP" altLang="en-US"/>
               <a:t>レベル</a:t>
             </a:r>
             <a:endParaRPr lang="en-US" dirty="0"/>
@@ -4536,7 +4536,7 @@
           <a:p>
             <a:pPr lvl="0"/>
             <a:r>
-              <a:rPr lang="ja-JP" altLang="en-US" smtClean="0"/>
+              <a:rPr lang="ja-JP" altLang="en-US"/>
               <a:t>マスター テキストの書式設定</a:t>
             </a:r>
           </a:p>
@@ -4559,7 +4559,7 @@
           <a:p>
             <a:fld id="{26B652C5-9945-4180-B8B4-B4417E094F36}" type="datetimeFigureOut">
               <a:rPr kumimoji="1" lang="ja-JP" altLang="en-US" smtClean="0"/>
-              <a:t>2024/8/19</a:t>
+              <a:t>2024/8/20</a:t>
             </a:fld>
             <a:endParaRPr kumimoji="1" lang="ja-JP" altLang="en-US"/>
           </a:p>
@@ -4664,7 +4664,7 @@
           </a:lstStyle>
           <a:p>
             <a:r>
-              <a:rPr lang="ja-JP" altLang="en-US" smtClean="0"/>
+              <a:rPr lang="ja-JP" altLang="en-US"/>
               <a:t>マスター タイトルの書式設定</a:t>
             </a:r>
             <a:endParaRPr lang="en-US" dirty="0"/>
@@ -4731,7 +4731,7 @@
           </a:lstStyle>
           <a:p>
             <a:r>
-              <a:rPr lang="ja-JP" altLang="en-US" smtClean="0"/>
+              <a:rPr lang="ja-JP" altLang="en-US"/>
               <a:t>図を追加</a:t>
             </a:r>
             <a:endParaRPr lang="en-US" dirty="0"/>
@@ -4799,7 +4799,7 @@
           <a:p>
             <a:pPr lvl="0"/>
             <a:r>
-              <a:rPr lang="ja-JP" altLang="en-US" smtClean="0"/>
+              <a:rPr lang="ja-JP" altLang="en-US"/>
               <a:t>マスター テキストの書式設定</a:t>
             </a:r>
           </a:p>
@@ -4822,7 +4822,7 @@
           <a:p>
             <a:fld id="{26B652C5-9945-4180-B8B4-B4417E094F36}" type="datetimeFigureOut">
               <a:rPr kumimoji="1" lang="ja-JP" altLang="en-US" smtClean="0"/>
-              <a:t>2024/8/19</a:t>
+              <a:t>2024/8/20</a:t>
             </a:fld>
             <a:endParaRPr kumimoji="1" lang="ja-JP" altLang="en-US"/>
           </a:p>
@@ -5461,7 +5461,7 @@
           <a:lstStyle/>
           <a:p>
             <a:r>
-              <a:rPr lang="ja-JP" altLang="en-US" smtClean="0"/>
+              <a:rPr lang="ja-JP" altLang="en-US"/>
               <a:t>マスター タイトルの書式設定</a:t>
             </a:r>
             <a:endParaRPr lang="en-US" dirty="0"/>
@@ -5495,67 +5495,67 @@
           <a:p>
             <a:pPr lvl="0"/>
             <a:r>
-              <a:rPr lang="ja-JP" altLang="en-US" smtClean="0"/>
+              <a:rPr lang="ja-JP" altLang="en-US"/>
               <a:t>マスター テキストの書式設定</a:t>
             </a:r>
           </a:p>
           <a:p>
             <a:pPr lvl="1"/>
             <a:r>
-              <a:rPr lang="ja-JP" altLang="en-US" smtClean="0"/>
+              <a:rPr lang="ja-JP" altLang="en-US"/>
               <a:t>第 </a:t>
             </a:r>
             <a:r>
-              <a:rPr lang="en-US" altLang="ja-JP" smtClean="0"/>
+              <a:rPr lang="en-US" altLang="ja-JP"/>
               <a:t>2 </a:t>
             </a:r>
             <a:r>
-              <a:rPr lang="ja-JP" altLang="en-US" smtClean="0"/>
+              <a:rPr lang="ja-JP" altLang="en-US"/>
               <a:t>レベル</a:t>
             </a:r>
           </a:p>
           <a:p>
             <a:pPr lvl="2"/>
             <a:r>
-              <a:rPr lang="ja-JP" altLang="en-US" smtClean="0"/>
+              <a:rPr lang="ja-JP" altLang="en-US"/>
               <a:t>第 </a:t>
             </a:r>
             <a:r>
-              <a:rPr lang="en-US" altLang="ja-JP" smtClean="0"/>
+              <a:rPr lang="en-US" altLang="ja-JP"/>
               <a:t>3 </a:t>
             </a:r>
             <a:r>
-              <a:rPr lang="ja-JP" altLang="en-US" smtClean="0"/>
+              <a:rPr lang="ja-JP" altLang="en-US"/>
               <a:t>レベル</a:t>
             </a:r>
           </a:p>
           <a:p>
             <a:pPr lvl="3"/>
             <a:r>
-              <a:rPr lang="ja-JP" altLang="en-US" smtClean="0"/>
+              <a:rPr lang="ja-JP" altLang="en-US"/>
               <a:t>第 </a:t>
             </a:r>
             <a:r>
-              <a:rPr lang="en-US" altLang="ja-JP" smtClean="0"/>
+              <a:rPr lang="en-US" altLang="ja-JP"/>
               <a:t>4 </a:t>
             </a:r>
             <a:r>
-              <a:rPr lang="ja-JP" altLang="en-US" smtClean="0"/>
+              <a:rPr lang="ja-JP" altLang="en-US"/>
               <a:t>レベル</a:t>
             </a:r>
           </a:p>
           <a:p>
             <a:pPr lvl="4"/>
             <a:r>
-              <a:rPr lang="ja-JP" altLang="en-US" smtClean="0"/>
+              <a:rPr lang="ja-JP" altLang="en-US"/>
               <a:t>第 </a:t>
             </a:r>
             <a:r>
-              <a:rPr lang="en-US" altLang="ja-JP" smtClean="0"/>
+              <a:rPr lang="en-US" altLang="ja-JP"/>
               <a:t>5 </a:t>
             </a:r>
             <a:r>
-              <a:rPr lang="ja-JP" altLang="en-US" smtClean="0"/>
+              <a:rPr lang="ja-JP" altLang="en-US"/>
               <a:t>レベル</a:t>
             </a:r>
             <a:endParaRPr lang="en-US" dirty="0"/>
@@ -5597,7 +5597,7 @@
           <a:p>
             <a:fld id="{26B652C5-9945-4180-B8B4-B4417E094F36}" type="datetimeFigureOut">
               <a:rPr kumimoji="1" lang="ja-JP" altLang="en-US" smtClean="0"/>
-              <a:t>2024/8/19</a:t>
+              <a:t>2024/8/20</a:t>
             </a:fld>
             <a:endParaRPr kumimoji="1" lang="ja-JP" altLang="en-US"/>
           </a:p>
@@ -6131,13 +6131,6 @@
   <p:clrMapOvr>
     <a:masterClrMapping/>
   </p:clrMapOvr>
-  <p:timing>
-    <p:tnLst>
-      <p:par>
-        <p:cTn id="1" dur="indefinite" restart="never" nodeType="tmRoot"/>
-      </p:par>
-    </p:tnLst>
-  </p:timing>
 </p:sld>
 </file>
 
@@ -6174,25 +6167,20 @@
           <a:lstStyle/>
           <a:p>
             <a:r>
-              <a:rPr kumimoji="1" lang="en-US" altLang="ja-JP" dirty="0" smtClean="0"/>
+              <a:rPr kumimoji="1" lang="en-US" altLang="ja-JP" dirty="0"/>
               <a:t>Confluence</a:t>
             </a:r>
             <a:r>
-              <a:rPr kumimoji="1" lang="ja-JP" altLang="en-US" dirty="0" smtClean="0"/>
+              <a:rPr kumimoji="1" lang="ja-JP" altLang="en-US" dirty="0"/>
               <a:t>検索アプリ</a:t>
             </a:r>
-            <a:r>
-              <a:rPr kumimoji="1" lang="en-US" altLang="ja-JP" dirty="0" smtClean="0"/>
-              <a:t/>
-            </a:r>
             <a:br>
-              <a:rPr kumimoji="1" lang="en-US" altLang="ja-JP" dirty="0" smtClean="0"/>
+              <a:rPr kumimoji="1" lang="en-US" altLang="ja-JP" dirty="0"/>
             </a:br>
             <a:r>
-              <a:rPr kumimoji="1" lang="ja-JP" altLang="en-US" dirty="0" smtClean="0"/>
+              <a:rPr kumimoji="1" lang="ja-JP" altLang="en-US" dirty="0"/>
               <a:t>機能概要</a:t>
             </a:r>
-            <a:endParaRPr kumimoji="1" lang="ja-JP" altLang="en-US" dirty="0"/>
           </a:p>
         </p:txBody>
       </p:sp>
@@ -6220,25 +6208,24 @@
               <a:buNone/>
             </a:pPr>
             <a:r>
-              <a:rPr lang="en-US" altLang="ja-JP" dirty="0" smtClean="0"/>
+              <a:rPr lang="en-US" altLang="ja-JP" dirty="0"/>
               <a:t>【</a:t>
             </a:r>
             <a:r>
-              <a:rPr lang="ja-JP" altLang="en-US" dirty="0" smtClean="0"/>
+              <a:rPr lang="ja-JP" altLang="en-US" dirty="0"/>
               <a:t>フロント</a:t>
             </a:r>
             <a:r>
-              <a:rPr lang="en-US" altLang="ja-JP" dirty="0" smtClean="0"/>
+              <a:rPr lang="en-US" altLang="ja-JP" dirty="0"/>
               <a:t>】</a:t>
             </a:r>
+          </a:p>
+          <a:p>
+            <a:r>
+              <a:rPr lang="ja-JP" altLang="en-US" dirty="0"/>
+              <a:t>検索を受け付け、結果を表示する</a:t>
+            </a:r>
             <a:endParaRPr lang="en-US" altLang="ja-JP" dirty="0"/>
-          </a:p>
-          <a:p>
-            <a:r>
-              <a:rPr lang="ja-JP" altLang="en-US" dirty="0" smtClean="0"/>
-              <a:t>検索を受け付け、結果を表示する</a:t>
-            </a:r>
-            <a:endParaRPr lang="en-US" altLang="ja-JP" dirty="0" smtClean="0"/>
           </a:p>
           <a:p>
             <a:endParaRPr lang="en-US" altLang="ja-JP" dirty="0"/>
@@ -6526,63 +6513,59 @@
               <a:buNone/>
             </a:pPr>
             <a:r>
-              <a:rPr lang="en-US" altLang="ja-JP" dirty="0" smtClean="0"/>
+              <a:rPr lang="en-US" altLang="ja-JP" dirty="0"/>
               <a:t>【</a:t>
             </a:r>
             <a:r>
-              <a:rPr lang="ja-JP" altLang="en-US" dirty="0" smtClean="0"/>
+              <a:rPr lang="ja-JP" altLang="en-US" dirty="0"/>
               <a:t>バック</a:t>
             </a:r>
             <a:r>
-              <a:rPr lang="en-US" altLang="ja-JP" dirty="0" smtClean="0"/>
+              <a:rPr lang="en-US" altLang="ja-JP" dirty="0"/>
               <a:t>】</a:t>
             </a:r>
           </a:p>
           <a:p>
             <a:r>
-              <a:rPr lang="en-US" altLang="ja-JP" dirty="0" smtClean="0"/>
+              <a:rPr lang="en-US" altLang="ja-JP" dirty="0"/>
               <a:t>slack</a:t>
             </a:r>
             <a:r>
               <a:rPr lang="ja-JP" altLang="en-US" dirty="0"/>
-              <a:t>から</a:t>
-            </a:r>
-            <a:r>
-              <a:rPr lang="ja-JP" altLang="en-US" dirty="0" smtClean="0"/>
-              <a:t>検索されたテキストを受け取り、</a:t>
-            </a:r>
-            <a:r>
-              <a:rPr lang="en-US" altLang="ja-JP" dirty="0" smtClean="0"/>
+              <a:t>から検索されたテキストを受け取り、</a:t>
+            </a:r>
+            <a:r>
+              <a:rPr lang="en-US" altLang="ja-JP" dirty="0"/>
               <a:t>confluence</a:t>
             </a:r>
             <a:r>
-              <a:rPr lang="ja-JP" altLang="en-US" dirty="0" smtClean="0"/>
+              <a:rPr lang="ja-JP" altLang="en-US" dirty="0"/>
               <a:t>に検索を行う。</a:t>
             </a:r>
-            <a:endParaRPr lang="en-US" altLang="ja-JP" dirty="0" smtClean="0"/>
-          </a:p>
-          <a:p>
-            <a:r>
-              <a:rPr lang="en-US" altLang="ja-JP" dirty="0" smtClean="0"/>
+            <a:endParaRPr lang="en-US" altLang="ja-JP" dirty="0"/>
+          </a:p>
+          <a:p>
+            <a:r>
+              <a:rPr lang="en-US" altLang="ja-JP" dirty="0"/>
               <a:t>confluence</a:t>
             </a:r>
             <a:r>
-              <a:rPr lang="ja-JP" altLang="en-US" dirty="0" smtClean="0"/>
+              <a:rPr lang="ja-JP" altLang="en-US" dirty="0"/>
               <a:t>の検索結果を受け取り、</a:t>
             </a:r>
             <a:r>
-              <a:rPr lang="en-US" altLang="ja-JP" dirty="0" smtClean="0"/>
+              <a:rPr lang="en-US" altLang="ja-JP" dirty="0"/>
               <a:t>slack</a:t>
             </a:r>
             <a:r>
-              <a:rPr lang="ja-JP" altLang="en-US" dirty="0" err="1" smtClean="0"/>
+              <a:rPr lang="ja-JP" altLang="en-US" dirty="0" err="1"/>
               <a:t>へ</a:t>
             </a:r>
             <a:r>
-              <a:rPr lang="ja-JP" altLang="en-US" dirty="0" smtClean="0"/>
+              <a:rPr lang="ja-JP" altLang="en-US" dirty="0"/>
               <a:t>結果を渡す処理を行う。</a:t>
             </a:r>
-            <a:endParaRPr lang="en-US" altLang="ja-JP" dirty="0" smtClean="0"/>
+            <a:endParaRPr lang="en-US" altLang="ja-JP" dirty="0"/>
           </a:p>
           <a:p>
             <a:endParaRPr lang="ja-JP" altLang="en-US" dirty="0"/>
@@ -6599,13 +6582,6 @@
   <p:clrMapOvr>
     <a:masterClrMapping/>
   </p:clrMapOvr>
-  <p:timing>
-    <p:tnLst>
-      <p:par>
-        <p:cTn id="1" dur="indefinite" restart="never" nodeType="tmRoot"/>
-      </p:par>
-    </p:tnLst>
-  </p:timing>
 </p:sld>
 </file>
 
@@ -6642,18 +6618,14 @@
           <a:lstStyle/>
           <a:p>
             <a:r>
-              <a:rPr lang="ja-JP" altLang="en-US" dirty="0" smtClean="0"/>
+              <a:rPr lang="ja-JP" altLang="en-US" dirty="0"/>
               <a:t>フロントエンド側</a:t>
             </a:r>
-            <a:r>
-              <a:rPr lang="en-US" altLang="ja-JP" dirty="0" smtClean="0"/>
-              <a:t/>
-            </a:r>
             <a:br>
-              <a:rPr lang="en-US" altLang="ja-JP" dirty="0" smtClean="0"/>
+              <a:rPr lang="en-US" altLang="ja-JP" dirty="0"/>
             </a:br>
             <a:r>
-              <a:rPr lang="ja-JP" altLang="en-US" dirty="0" smtClean="0"/>
+              <a:rPr lang="ja-JP" altLang="en-US" dirty="0"/>
               <a:t>アプリ機能概要</a:t>
             </a:r>
             <a:endParaRPr kumimoji="1" lang="ja-JP" altLang="en-US" dirty="0"/>
@@ -6676,31 +6648,31 @@
           <a:lstStyle/>
           <a:p>
             <a:r>
-              <a:rPr kumimoji="1" lang="en-US" altLang="ja-JP" dirty="0" err="1" smtClean="0"/>
+              <a:rPr kumimoji="1" lang="en-US" altLang="ja-JP" dirty="0" err="1"/>
               <a:t>slackAPI</a:t>
             </a:r>
             <a:r>
-              <a:rPr kumimoji="1" lang="ja-JP" altLang="en-US" dirty="0" smtClean="0"/>
+              <a:rPr kumimoji="1" lang="ja-JP" altLang="en-US" dirty="0"/>
               <a:t>を使用して</a:t>
             </a:r>
             <a:r>
-              <a:rPr lang="en-US" altLang="ja-JP" dirty="0" smtClean="0"/>
+              <a:rPr lang="en-US" altLang="ja-JP" dirty="0"/>
               <a:t>GUI</a:t>
             </a:r>
             <a:r>
-              <a:rPr lang="ja-JP" altLang="en-US" dirty="0" smtClean="0"/>
+              <a:rPr lang="ja-JP" altLang="en-US" dirty="0"/>
               <a:t>上で作成を行う。</a:t>
             </a:r>
             <a:r>
-              <a:rPr lang="en-US" altLang="ja-JP" dirty="0" smtClean="0"/>
+              <a:rPr lang="en-US" altLang="ja-JP" dirty="0"/>
               <a:t>(</a:t>
             </a:r>
             <a:r>
-              <a:rPr lang="ja-JP" altLang="en-US" dirty="0" smtClean="0"/>
+              <a:rPr lang="ja-JP" altLang="en-US" dirty="0"/>
               <a:t>以下の設定を行う</a:t>
             </a:r>
             <a:r>
-              <a:rPr lang="en-US" altLang="ja-JP" dirty="0" smtClean="0"/>
+              <a:rPr lang="en-US" altLang="ja-JP" dirty="0"/>
               <a:t>)</a:t>
             </a:r>
           </a:p>
@@ -6709,12 +6681,8 @@
               <a:buNone/>
             </a:pPr>
             <a:r>
-              <a:rPr lang="ja-JP" altLang="en-US" dirty="0" smtClean="0"/>
-              <a:t>　・</a:t>
-            </a:r>
-            <a:r>
               <a:rPr lang="ja-JP" altLang="en-US" dirty="0"/>
-              <a:t>アプリが動作するイベントの設定</a:t>
+              <a:t>　・アプリが動作するイベントの設定</a:t>
             </a:r>
           </a:p>
           <a:p>
@@ -6722,27 +6690,23 @@
               <a:buNone/>
             </a:pPr>
             <a:r>
-              <a:rPr lang="ja-JP" altLang="en-US" dirty="0" smtClean="0"/>
-              <a:t>　</a:t>
+              <a:rPr lang="ja-JP" altLang="en-US" dirty="0"/>
+              <a:t>　　</a:t>
+            </a:r>
+            <a:r>
+              <a:rPr lang="en-US" altLang="ja-JP" b="1" dirty="0"/>
+              <a:t>message.im</a:t>
             </a:r>
             <a:r>
               <a:rPr lang="ja-JP" altLang="en-US" dirty="0"/>
               <a:t>　</a:t>
             </a:r>
             <a:r>
-              <a:rPr lang="en-US" altLang="ja-JP" b="1" dirty="0" smtClean="0"/>
-              <a:t>message.im</a:t>
-            </a:r>
-            <a:r>
-              <a:rPr lang="ja-JP" altLang="en-US" dirty="0" smtClean="0"/>
-              <a:t>　</a:t>
-            </a:r>
-            <a:r>
-              <a:rPr lang="en-US" altLang="ja-JP" dirty="0" smtClean="0"/>
+              <a:rPr lang="en-US" altLang="ja-JP" dirty="0"/>
               <a:t>⇒</a:t>
             </a:r>
             <a:r>
-              <a:rPr lang="ja-JP" altLang="en-US" dirty="0" smtClean="0"/>
+              <a:rPr lang="ja-JP" altLang="en-US" dirty="0"/>
               <a:t>自作アプリ内の</a:t>
             </a:r>
             <a:r>
@@ -6759,12 +6723,8 @@
               <a:buNone/>
             </a:pPr>
             <a:r>
-              <a:rPr lang="ja-JP" altLang="en-US" dirty="0" smtClean="0"/>
-              <a:t>　・</a:t>
-            </a:r>
-            <a:r>
               <a:rPr lang="ja-JP" altLang="en-US" dirty="0"/>
-              <a:t>スコープの設定</a:t>
+              <a:t>　・スコープの設定</a:t>
             </a:r>
           </a:p>
           <a:p>
@@ -6772,24 +6732,20 @@
               <a:buNone/>
             </a:pPr>
             <a:r>
-              <a:rPr lang="ja-JP" altLang="en-US" dirty="0" smtClean="0"/>
+              <a:rPr lang="ja-JP" altLang="en-US" dirty="0"/>
               <a:t>　　</a:t>
             </a:r>
             <a:r>
-              <a:rPr lang="en-US" altLang="ja-JP" b="1" dirty="0" err="1" smtClean="0"/>
+              <a:rPr lang="en-US" altLang="ja-JP" b="1" dirty="0" err="1"/>
               <a:t>chat:write</a:t>
             </a:r>
             <a:r>
-              <a:rPr lang="ja-JP" altLang="en-US" dirty="0" smtClean="0"/>
+              <a:rPr lang="ja-JP" altLang="en-US" dirty="0"/>
               <a:t>　</a:t>
             </a:r>
             <a:r>
-              <a:rPr lang="en-US" altLang="ja-JP" dirty="0" smtClean="0"/>
-              <a:t>⇒</a:t>
-            </a:r>
-            <a:r>
               <a:rPr lang="en-US" altLang="ja-JP" dirty="0"/>
-              <a:t>bot</a:t>
+              <a:t>⇒bot</a:t>
             </a:r>
             <a:r>
               <a:rPr lang="ja-JP" altLang="en-US" dirty="0"/>
@@ -6801,47 +6757,39 @@
               <a:buNone/>
             </a:pPr>
             <a:r>
-              <a:rPr lang="ja-JP" altLang="en-US" dirty="0" smtClean="0"/>
-              <a:t>　</a:t>
+              <a:rPr lang="ja-JP" altLang="en-US" dirty="0"/>
+              <a:t>　　</a:t>
+            </a:r>
+            <a:r>
+              <a:rPr lang="en-US" altLang="ja-JP" b="1" dirty="0" err="1"/>
+              <a:t>im:history</a:t>
             </a:r>
             <a:r>
               <a:rPr lang="ja-JP" altLang="en-US" dirty="0"/>
               <a:t>　</a:t>
             </a:r>
             <a:r>
-              <a:rPr lang="en-US" altLang="ja-JP" b="1" dirty="0" err="1" smtClean="0"/>
-              <a:t>im:history</a:t>
-            </a:r>
-            <a:r>
-              <a:rPr lang="ja-JP" altLang="en-US" dirty="0" smtClean="0"/>
-              <a:t>　</a:t>
-            </a:r>
-            <a:r>
-              <a:rPr lang="en-US" altLang="ja-JP" dirty="0" smtClean="0"/>
+              <a:rPr lang="en-US" altLang="ja-JP" dirty="0"/>
               <a:t>⇒</a:t>
             </a:r>
             <a:r>
               <a:rPr lang="ja-JP" altLang="en-US" dirty="0"/>
-              <a:t>上記で設定したイベントに必要な</a:t>
-            </a:r>
-            <a:r>
-              <a:rPr lang="ja-JP" altLang="en-US" dirty="0" smtClean="0"/>
-              <a:t>スコープ</a:t>
-            </a:r>
-            <a:endParaRPr lang="en-US" altLang="ja-JP" dirty="0" smtClean="0"/>
+              <a:t>上記で設定したイベントに必要なスコープ</a:t>
+            </a:r>
+            <a:endParaRPr lang="en-US" altLang="ja-JP" dirty="0"/>
           </a:p>
           <a:p>
             <a:pPr marL="0" indent="0">
               <a:buNone/>
             </a:pPr>
-            <a:endParaRPr lang="en-US" altLang="ja-JP" dirty="0" smtClean="0"/>
-          </a:p>
-          <a:p>
-            <a:r>
-              <a:rPr lang="ja-JP" altLang="en-US" dirty="0" smtClean="0"/>
+            <a:endParaRPr lang="en-US" altLang="ja-JP" dirty="0"/>
+          </a:p>
+          <a:p>
+            <a:r>
+              <a:rPr lang="ja-JP" altLang="en-US" dirty="0"/>
               <a:t>メッセージに入力された質問をバックエンド側アプリへ連携する。</a:t>
             </a:r>
-            <a:endParaRPr lang="en-US" altLang="ja-JP" dirty="0" smtClean="0"/>
+            <a:endParaRPr lang="en-US" altLang="ja-JP" dirty="0"/>
           </a:p>
         </p:txBody>
       </p:sp>
@@ -6855,13 +6803,6 @@
   <p:clrMapOvr>
     <a:masterClrMapping/>
   </p:clrMapOvr>
-  <p:timing>
-    <p:tnLst>
-      <p:par>
-        <p:cTn id="1" dur="indefinite" restart="never" nodeType="tmRoot"/>
-      </p:par>
-    </p:tnLst>
-  </p:timing>
 </p:sld>
 </file>
 
@@ -6899,15 +6840,7 @@
           <a:p>
             <a:r>
               <a:rPr lang="ja-JP" altLang="en-US" dirty="0"/>
-              <a:t>バック</a:t>
-            </a:r>
-            <a:r>
-              <a:rPr lang="ja-JP" altLang="en-US" dirty="0" smtClean="0"/>
-              <a:t>エンド側</a:t>
-            </a:r>
-            <a:r>
-              <a:rPr lang="en-US" altLang="ja-JP" dirty="0"/>
-              <a:t/>
+              <a:t>バックエンド側</a:t>
             </a:r>
             <a:br>
               <a:rPr lang="en-US" altLang="ja-JP" dirty="0"/>
@@ -6971,7 +6904,7 @@
             <a:p>
               <a:pPr algn="ctr"/>
               <a:r>
-                <a:rPr kumimoji="1" lang="en-US" altLang="ja-JP" dirty="0" smtClean="0"/>
+                <a:rPr kumimoji="1" lang="en-US" altLang="ja-JP" dirty="0"/>
                 <a:t>main</a:t>
               </a:r>
               <a:endParaRPr kumimoji="1" lang="ja-JP" altLang="en-US" dirty="0"/>
@@ -7015,17 +6948,16 @@
             <a:p>
               <a:pPr algn="ctr"/>
               <a:r>
-                <a:rPr kumimoji="1" lang="en-US" altLang="ja-JP" dirty="0" smtClean="0"/>
+                <a:rPr kumimoji="1" lang="en-US" altLang="ja-JP" dirty="0"/>
                 <a:t>confluence</a:t>
               </a:r>
             </a:p>
             <a:p>
               <a:pPr algn="ctr"/>
               <a:r>
-                <a:rPr kumimoji="1" lang="ja-JP" altLang="en-US" dirty="0" smtClean="0"/>
+                <a:rPr kumimoji="1" lang="ja-JP" altLang="en-US" dirty="0"/>
                 <a:t>検索機能</a:t>
               </a:r>
-              <a:endParaRPr kumimoji="1" lang="ja-JP" altLang="en-US" dirty="0"/>
             </a:p>
           </p:txBody>
         </p:sp>
@@ -7066,17 +6998,16 @@
             <a:p>
               <a:pPr algn="ctr"/>
               <a:r>
-                <a:rPr kumimoji="1" lang="en-US" altLang="ja-JP" dirty="0" smtClean="0"/>
+                <a:rPr kumimoji="1" lang="en-US" altLang="ja-JP" dirty="0"/>
                 <a:t>html</a:t>
               </a:r>
             </a:p>
             <a:p>
               <a:pPr algn="ctr"/>
               <a:r>
-                <a:rPr kumimoji="1" lang="ja-JP" altLang="en-US" dirty="0" smtClean="0"/>
+                <a:rPr kumimoji="1" lang="ja-JP" altLang="en-US" dirty="0"/>
                 <a:t>編集機能</a:t>
               </a:r>
-              <a:endParaRPr kumimoji="1" lang="ja-JP" altLang="en-US" dirty="0"/>
             </a:p>
           </p:txBody>
         </p:sp>
@@ -7117,29 +7048,24 @@
             <a:p>
               <a:pPr algn="ctr"/>
               <a:r>
-                <a:rPr kumimoji="1" lang="en-US" altLang="ja-JP" dirty="0" smtClean="0"/>
+                <a:rPr kumimoji="1" lang="en-US" altLang="ja-JP" dirty="0"/>
                 <a:t>slack</a:t>
               </a:r>
             </a:p>
             <a:p>
               <a:pPr algn="ctr"/>
               <a:r>
-                <a:rPr kumimoji="1" lang="ja-JP" altLang="en-US" dirty="0" smtClean="0"/>
+                <a:rPr kumimoji="1" lang="ja-JP" altLang="en-US" dirty="0"/>
                 <a:t>メッセージ</a:t>
               </a:r>
-              <a:endParaRPr kumimoji="1" lang="en-US" altLang="ja-JP" dirty="0" smtClean="0"/>
+              <a:endParaRPr kumimoji="1" lang="en-US" altLang="ja-JP" dirty="0"/>
             </a:p>
             <a:p>
               <a:pPr algn="ctr"/>
               <a:r>
                 <a:rPr kumimoji="1" lang="ja-JP" altLang="en-US" dirty="0"/>
-                <a:t>送信</a:t>
+                <a:t>送信機能</a:t>
               </a:r>
-              <a:r>
-                <a:rPr kumimoji="1" lang="ja-JP" altLang="en-US" dirty="0" smtClean="0"/>
-                <a:t>機能</a:t>
-              </a:r>
-              <a:endParaRPr kumimoji="1" lang="ja-JP" altLang="en-US" dirty="0"/>
             </a:p>
           </p:txBody>
         </p:sp>
@@ -7180,38 +7106,37 @@
             <a:p>
               <a:pPr algn="ctr"/>
               <a:r>
-                <a:rPr kumimoji="1" lang="en-US" altLang="ja-JP" dirty="0" smtClean="0"/>
+                <a:rPr kumimoji="1" lang="en-US" altLang="ja-JP" dirty="0"/>
                 <a:t>slack</a:t>
               </a:r>
               <a:r>
-                <a:rPr kumimoji="1" lang="ja-JP" altLang="en-US" dirty="0" smtClean="0"/>
+                <a:rPr kumimoji="1" lang="ja-JP" altLang="en-US" dirty="0"/>
                 <a:t>から</a:t>
               </a:r>
-              <a:endParaRPr kumimoji="1" lang="en-US" altLang="ja-JP" dirty="0" smtClean="0"/>
+              <a:endParaRPr kumimoji="1" lang="en-US" altLang="ja-JP" dirty="0"/>
             </a:p>
             <a:p>
               <a:pPr algn="ctr"/>
               <a:r>
-                <a:rPr kumimoji="1" lang="ja-JP" altLang="en-US" dirty="0" smtClean="0"/>
+                <a:rPr kumimoji="1" lang="ja-JP" altLang="en-US" dirty="0"/>
                 <a:t>メッセージ送信</a:t>
               </a:r>
-              <a:endParaRPr kumimoji="1" lang="en-US" altLang="ja-JP" dirty="0" smtClean="0"/>
+              <a:endParaRPr kumimoji="1" lang="en-US" altLang="ja-JP" dirty="0"/>
             </a:p>
             <a:p>
               <a:pPr algn="ctr"/>
               <a:r>
-                <a:rPr kumimoji="1" lang="ja-JP" altLang="en-US" dirty="0" smtClean="0"/>
+                <a:rPr kumimoji="1" lang="ja-JP" altLang="en-US" dirty="0"/>
                 <a:t>（</a:t>
               </a:r>
               <a:r>
-                <a:rPr kumimoji="1" lang="en-US" altLang="ja-JP" dirty="0" smtClean="0"/>
+                <a:rPr kumimoji="1" lang="en-US" altLang="ja-JP" dirty="0"/>
                 <a:t>post</a:t>
               </a:r>
               <a:r>
-                <a:rPr kumimoji="1" lang="ja-JP" altLang="en-US" dirty="0" smtClean="0"/>
+                <a:rPr kumimoji="1" lang="ja-JP" altLang="en-US" dirty="0"/>
                 <a:t>リクエスト）</a:t>
               </a:r>
-              <a:endParaRPr kumimoji="1" lang="ja-JP" altLang="en-US" dirty="0"/>
             </a:p>
           </p:txBody>
         </p:sp>
@@ -7387,14 +7312,13 @@
           <a:p>
             <a:pPr algn="ctr"/>
             <a:r>
-              <a:rPr kumimoji="1" lang="en-US" altLang="ja-JP" dirty="0" smtClean="0"/>
+              <a:rPr kumimoji="1" lang="en-US" altLang="ja-JP" dirty="0"/>
               <a:t>html</a:t>
             </a:r>
             <a:r>
-              <a:rPr kumimoji="1" lang="ja-JP" altLang="en-US" dirty="0" smtClean="0"/>
+              <a:rPr kumimoji="1" lang="ja-JP" altLang="en-US" dirty="0"/>
               <a:t>ファイル</a:t>
             </a:r>
-            <a:endParaRPr kumimoji="1" lang="ja-JP" altLang="en-US" dirty="0"/>
           </a:p>
         </p:txBody>
       </p:sp>
@@ -7437,14 +7361,13 @@
           <a:p>
             <a:pPr algn="ctr"/>
             <a:r>
-              <a:rPr kumimoji="1" lang="en-US" altLang="ja-JP" dirty="0" smtClean="0"/>
+              <a:rPr kumimoji="1" lang="en-US" altLang="ja-JP" dirty="0"/>
               <a:t>markdown</a:t>
             </a:r>
             <a:r>
-              <a:rPr kumimoji="1" lang="ja-JP" altLang="en-US" dirty="0" smtClean="0"/>
+              <a:rPr kumimoji="1" lang="ja-JP" altLang="en-US" dirty="0"/>
               <a:t>ファイル</a:t>
             </a:r>
-            <a:endParaRPr kumimoji="1" lang="ja-JP" altLang="en-US" dirty="0"/>
           </a:p>
         </p:txBody>
       </p:sp>
@@ -7608,56 +7531,52 @@
           <a:lstStyle/>
           <a:p>
             <a:r>
-              <a:rPr kumimoji="1" lang="ja-JP" altLang="en-US" dirty="0" smtClean="0"/>
-              <a:t>使用している言語は主に</a:t>
-            </a:r>
-            <a:r>
               <a:rPr kumimoji="1" lang="ja-JP" altLang="en-US" dirty="0"/>
-              <a:t>「</a:t>
-            </a:r>
-            <a:r>
-              <a:rPr kumimoji="1" lang="en-US" altLang="ja-JP" dirty="0" smtClean="0"/>
+              <a:t>使用している言語は主に「</a:t>
+            </a:r>
+            <a:r>
+              <a:rPr kumimoji="1" lang="en-US" altLang="ja-JP" dirty="0"/>
               <a:t>python</a:t>
             </a:r>
             <a:r>
-              <a:rPr kumimoji="1" lang="ja-JP" altLang="en-US" dirty="0" smtClean="0"/>
+              <a:rPr kumimoji="1" lang="ja-JP" altLang="en-US" dirty="0"/>
               <a:t>」。</a:t>
             </a:r>
-            <a:endParaRPr kumimoji="1" lang="en-US" altLang="ja-JP" dirty="0" smtClean="0"/>
-          </a:p>
-          <a:p>
-            <a:r>
-              <a:rPr kumimoji="1" lang="ja-JP" altLang="en-US" dirty="0" smtClean="0"/>
+            <a:endParaRPr kumimoji="1" lang="en-US" altLang="ja-JP" dirty="0"/>
+          </a:p>
+          <a:p>
+            <a:r>
+              <a:rPr kumimoji="1" lang="ja-JP" altLang="en-US" dirty="0"/>
               <a:t>他「</a:t>
             </a:r>
             <a:r>
-              <a:rPr kumimoji="1" lang="en-US" altLang="ja-JP" dirty="0" smtClean="0"/>
+              <a:rPr kumimoji="1" lang="en-US" altLang="ja-JP" dirty="0"/>
               <a:t>slack bolt</a:t>
             </a:r>
             <a:r>
-              <a:rPr kumimoji="1" lang="ja-JP" altLang="en-US" dirty="0" smtClean="0"/>
+              <a:rPr kumimoji="1" lang="ja-JP" altLang="en-US" dirty="0"/>
               <a:t>」「</a:t>
             </a:r>
             <a:r>
-              <a:rPr kumimoji="1" lang="en-US" altLang="ja-JP" dirty="0" smtClean="0"/>
+              <a:rPr kumimoji="1" lang="en-US" altLang="ja-JP" dirty="0"/>
               <a:t>Node.js</a:t>
             </a:r>
             <a:r>
-              <a:rPr kumimoji="1" lang="ja-JP" altLang="en-US" dirty="0" smtClean="0"/>
+              <a:rPr kumimoji="1" lang="ja-JP" altLang="en-US" dirty="0"/>
               <a:t>」「</a:t>
             </a:r>
             <a:r>
-              <a:rPr kumimoji="1" lang="en-US" altLang="ja-JP" dirty="0" smtClean="0"/>
+              <a:rPr kumimoji="1" lang="en-US" altLang="ja-JP" dirty="0"/>
               <a:t>selenium</a:t>
             </a:r>
             <a:r>
-              <a:rPr kumimoji="1" lang="ja-JP" altLang="en-US" dirty="0" smtClean="0"/>
+              <a:rPr kumimoji="1" lang="ja-JP" altLang="en-US" dirty="0"/>
               <a:t>」等を使用。</a:t>
             </a:r>
-            <a:endParaRPr kumimoji="1" lang="en-US" altLang="ja-JP" dirty="0" smtClean="0"/>
-          </a:p>
-          <a:p>
-            <a:endParaRPr kumimoji="1" lang="en-US" altLang="ja-JP" dirty="0" smtClean="0"/>
+            <a:endParaRPr kumimoji="1" lang="en-US" altLang="ja-JP" dirty="0"/>
+          </a:p>
+          <a:p>
+            <a:endParaRPr kumimoji="1" lang="en-US" altLang="ja-JP" dirty="0"/>
           </a:p>
         </p:txBody>
       </p:sp>
@@ -7783,7 +7702,7 @@
             <a:bodyPr rtlCol="0" anchor="t"/>
             <a:lstStyle/>
             <a:p>
-              <a:endParaRPr kumimoji="1" lang="en-US" altLang="ja-JP" dirty="0" smtClean="0">
+              <a:endParaRPr kumimoji="1" lang="en-US" altLang="ja-JP" dirty="0">
                 <a:solidFill>
                   <a:schemeClr val="tx1"/>
                 </a:solidFill>
@@ -7954,13 +7873,8 @@
           <a:p>
             <a:r>
               <a:rPr kumimoji="1" lang="en-US" altLang="ja-JP" dirty="0"/>
-              <a:t>GCP(Cloud Run</a:t>
-            </a:r>
-            <a:r>
-              <a:rPr kumimoji="1" lang="en-US" altLang="ja-JP" dirty="0" smtClean="0"/>
-              <a:t>)</a:t>
-            </a:r>
-            <a:endParaRPr kumimoji="1" lang="en-US" altLang="ja-JP" dirty="0"/>
+              <a:t>GCP(Cloud Run)</a:t>
+            </a:r>
           </a:p>
         </p:txBody>
       </p:sp>
